--- a/Microsoft Project Blockbuster.pptx
+++ b/Microsoft Project Blockbuster.pptx
@@ -14,7 +14,8 @@
     <p:sldId id="265" r:id="rId8"/>
     <p:sldId id="266" r:id="rId9"/>
     <p:sldId id="267" r:id="rId10"/>
-    <p:sldId id="268" r:id="rId11"/>
+    <p:sldId id="269" r:id="rId11"/>
+    <p:sldId id="268" r:id="rId12"/>
   </p:sldIdLst>
   <p:sldSz cx="12192000" cy="6858000"/>
   <p:notesSz cx="6858000" cy="9144000"/>
@@ -365,7 +366,7 @@
           <a:p>
             <a:fld id="{9184DA70-C731-4C70-880D-CCD4705E623C}" type="datetime1">
               <a:rPr lang="en-US" smtClean="0"/>
-              <a:t>7/23/2021</a:t>
+              <a:t>7/26/2021</a:t>
             </a:fld>
             <a:endParaRPr lang="en-US" dirty="0"/>
           </a:p>
@@ -553,7 +554,7 @@
           <a:p>
             <a:fld id="{B612A279-0833-481D-8C56-F67FD0AC6C50}" type="datetime1">
               <a:rPr lang="en-US" smtClean="0"/>
-              <a:t>7/23/2021</a:t>
+              <a:t>7/26/2021</a:t>
             </a:fld>
             <a:endParaRPr lang="en-US" dirty="0"/>
           </a:p>
@@ -795,7 +796,7 @@
           <a:p>
             <a:fld id="{6587DA83-5663-4C9C-B9AA-0B40A3DAFF81}" type="datetime1">
               <a:rPr lang="en-US" smtClean="0"/>
-              <a:t>7/23/2021</a:t>
+              <a:t>7/26/2021</a:t>
             </a:fld>
             <a:endParaRPr lang="en-US" dirty="0"/>
           </a:p>
@@ -983,7 +984,7 @@
           <a:p>
             <a:fld id="{4BE1D723-8F53-4F53-90B0-1982A396982E}" type="datetime1">
               <a:rPr lang="en-US" smtClean="0"/>
-              <a:t>7/23/2021</a:t>
+              <a:t>7/26/2021</a:t>
             </a:fld>
             <a:endParaRPr lang="en-US" dirty="0"/>
           </a:p>
@@ -1356,7 +1357,7 @@
           <a:p>
             <a:fld id="{97669AF7-7BEB-44E4-9852-375E34362B5B}" type="datetime1">
               <a:rPr lang="en-US" smtClean="0"/>
-              <a:t>7/23/2021</a:t>
+              <a:t>7/26/2021</a:t>
             </a:fld>
             <a:endParaRPr lang="en-US" dirty="0"/>
           </a:p>
@@ -1611,7 +1612,7 @@
           <a:p>
             <a:fld id="{BAAAC38D-0552-4C82-B593-E6124DFADBE2}" type="datetime1">
               <a:rPr lang="en-US" smtClean="0"/>
-              <a:t>7/23/2021</a:t>
+              <a:t>7/26/2021</a:t>
             </a:fld>
             <a:endParaRPr lang="en-US" dirty="0"/>
           </a:p>
@@ -2008,7 +2009,7 @@
           <a:p>
             <a:fld id="{D9DF0F1C-5577-4ACB-BB62-DF8F3C494C7E}" type="datetime1">
               <a:rPr lang="en-US" smtClean="0"/>
-              <a:t>7/23/2021</a:t>
+              <a:t>7/26/2021</a:t>
             </a:fld>
             <a:endParaRPr lang="en-US" dirty="0"/>
           </a:p>
@@ -2144,7 +2145,7 @@
           <a:p>
             <a:fld id="{1775B394-D9F9-4F0C-B15D-605F45CB9E9F}" type="datetime1">
               <a:rPr lang="en-US" smtClean="0"/>
-              <a:t>7/23/2021</a:t>
+              <a:t>7/26/2021</a:t>
             </a:fld>
             <a:endParaRPr lang="en-US" dirty="0"/>
           </a:p>
@@ -2301,7 +2302,7 @@
           <a:p>
             <a:fld id="{39667345-2558-425A-8533-9BFDBCE15005}" type="datetime1">
               <a:rPr lang="en-US" smtClean="0"/>
-              <a:t>7/23/2021</a:t>
+              <a:t>7/26/2021</a:t>
             </a:fld>
             <a:endParaRPr lang="en-US" dirty="0"/>
           </a:p>
@@ -2630,7 +2631,7 @@
           <a:p>
             <a:fld id="{92BEA474-078D-4E9B-9B14-09A87B19DC46}" type="datetime1">
               <a:rPr lang="en-US" smtClean="0"/>
-              <a:t>7/23/2021</a:t>
+              <a:t>7/26/2021</a:t>
             </a:fld>
             <a:endParaRPr lang="en-US" dirty="0"/>
           </a:p>
@@ -2980,7 +2981,7 @@
           <a:p>
             <a:fld id="{4907D986-8816-4272-A432-0437A28A9828}" type="datetime1">
               <a:rPr lang="en-US" smtClean="0"/>
-              <a:t>7/23/2021</a:t>
+              <a:t>7/26/2021</a:t>
             </a:fld>
             <a:endParaRPr lang="en-US" dirty="0"/>
           </a:p>
@@ -3241,7 +3242,7 @@
           <a:p>
             <a:fld id="{62D6E202-B606-4609-B914-27C9371A1F6D}" type="datetime1">
               <a:rPr lang="en-US" smtClean="0"/>
-              <a:t>7/23/2021</a:t>
+              <a:t>7/26/2021</a:t>
             </a:fld>
             <a:endParaRPr lang="en-US" dirty="0"/>
           </a:p>
@@ -4061,6 +4062,118 @@
           <a:p>
             <a:r>
               <a:rPr lang="en-US" dirty="0"/>
+              <a:t>Next Steps</a:t>
+            </a:r>
+          </a:p>
+        </p:txBody>
+      </p:sp>
+      <p:sp>
+        <p:nvSpPr>
+          <p:cNvPr id="3" name="Content Placeholder 2">
+            <a:extLst>
+              <a:ext uri="{FF2B5EF4-FFF2-40B4-BE49-F238E27FC236}">
+                <a16:creationId xmlns:a16="http://schemas.microsoft.com/office/drawing/2014/main" id="{D82D6FC2-1691-43A8-B2CB-831541470950}"/>
+              </a:ext>
+            </a:extLst>
+          </p:cNvPr>
+          <p:cNvSpPr>
+            <a:spLocks noGrp="1"/>
+          </p:cNvSpPr>
+          <p:nvPr>
+            <p:ph idx="1"/>
+          </p:nvPr>
+        </p:nvSpPr>
+        <p:spPr/>
+        <p:txBody>
+          <a:bodyPr>
+            <a:normAutofit/>
+          </a:bodyPr>
+          <a:lstStyle/>
+          <a:p>
+            <a:pPr marL="457200" indent="-457200">
+              <a:buFont typeface="Arial" panose="020B0604020202020204" pitchFamily="34" charset="0"/>
+              <a:buChar char="•"/>
+            </a:pPr>
+            <a:r>
+              <a:rPr lang="en-US" sz="2800" dirty="0"/>
+              <a:t>Does “bigger is better” hold when including marketing budgets?</a:t>
+            </a:r>
+          </a:p>
+          <a:p>
+            <a:pPr marL="457200" indent="-457200">
+              <a:buFont typeface="Arial" panose="020B0604020202020204" pitchFamily="34" charset="0"/>
+              <a:buChar char="•"/>
+            </a:pPr>
+            <a:r>
+              <a:rPr lang="en-US" sz="2800" dirty="0"/>
+              <a:t>What are the returns on investments by month of release?</a:t>
+            </a:r>
+          </a:p>
+          <a:p>
+            <a:pPr marL="457200" indent="-457200">
+              <a:buFont typeface="Arial" panose="020B0604020202020204" pitchFamily="34" charset="0"/>
+              <a:buChar char="•"/>
+            </a:pPr>
+            <a:r>
+              <a:rPr lang="en-US" sz="2800" dirty="0"/>
+              <a:t>How much more money can one expect to make with a 3-D movie?</a:t>
+            </a:r>
+          </a:p>
+        </p:txBody>
+      </p:sp>
+    </p:spTree>
+    <p:extLst>
+      <p:ext uri="{BB962C8B-B14F-4D97-AF65-F5344CB8AC3E}">
+        <p14:creationId xmlns:p14="http://schemas.microsoft.com/office/powerpoint/2010/main" val="3811990017"/>
+      </p:ext>
+    </p:extLst>
+  </p:cSld>
+  <p:clrMapOvr>
+    <a:masterClrMapping/>
+  </p:clrMapOvr>
+</p:sld>
+</file>
+
+<file path=ppt/slides/slide11.xml><?xml version="1.0" encoding="utf-8"?>
+<p:sld xmlns:a="http://schemas.openxmlformats.org/drawingml/2006/main" xmlns:r="http://schemas.openxmlformats.org/officeDocument/2006/relationships" xmlns:p="http://schemas.openxmlformats.org/presentationml/2006/main">
+  <p:cSld>
+    <p:spTree>
+      <p:nvGrpSpPr>
+        <p:cNvPr id="1" name=""/>
+        <p:cNvGrpSpPr/>
+        <p:nvPr/>
+      </p:nvGrpSpPr>
+      <p:grpSpPr>
+        <a:xfrm>
+          <a:off x="0" y="0"/>
+          <a:ext cx="0" cy="0"/>
+          <a:chOff x="0" y="0"/>
+          <a:chExt cx="0" cy="0"/>
+        </a:xfrm>
+      </p:grpSpPr>
+      <p:sp>
+        <p:nvSpPr>
+          <p:cNvPr id="2" name="Title 1">
+            <a:extLst>
+              <a:ext uri="{FF2B5EF4-FFF2-40B4-BE49-F238E27FC236}">
+                <a16:creationId xmlns:a16="http://schemas.microsoft.com/office/drawing/2014/main" id="{5E11C657-1C31-4C66-B2E3-E16A362DC028}"/>
+              </a:ext>
+            </a:extLst>
+          </p:cNvPr>
+          <p:cNvSpPr>
+            <a:spLocks noGrp="1"/>
+          </p:cNvSpPr>
+          <p:nvPr>
+            <p:ph type="title"/>
+          </p:nvPr>
+        </p:nvSpPr>
+        <p:spPr/>
+        <p:txBody>
+          <a:bodyPr/>
+          <a:lstStyle/>
+          <a:p>
+            <a:r>
+              <a:rPr lang="en-US" dirty="0"/>
               <a:t>Thank You!</a:t>
             </a:r>
           </a:p>
@@ -4700,7 +4813,7 @@
             </a:pPr>
             <a:r>
               <a:rPr lang="en-US" sz="2800" dirty="0"/>
-              <a:t>There is a strong correlation of 0.77 between production budgets and the gross box office budget.</a:t>
+              <a:t>There is a strong correlation between production budgets and the gross box office receipt.</a:t>
             </a:r>
           </a:p>
         </p:txBody>
@@ -4787,9 +4900,16 @@
             <p:ph type="title"/>
           </p:nvPr>
         </p:nvSpPr>
-        <p:spPr/>
-        <p:txBody>
-          <a:bodyPr/>
+        <p:spPr>
+          <a:xfrm>
+            <a:off x="1097280" y="286603"/>
+            <a:ext cx="10058400" cy="1450757"/>
+          </a:xfrm>
+        </p:spPr>
+        <p:txBody>
+          <a:bodyPr anchor="b">
+            <a:normAutofit/>
+          </a:bodyPr>
           <a:lstStyle/>
           <a:p>
             <a:r>
@@ -4812,13 +4932,13 @@
             <a:spLocks noGrp="1"/>
           </p:cNvSpPr>
           <p:nvPr>
-            <p:ph idx="1"/>
+            <p:ph sz="half" idx="1"/>
           </p:nvPr>
         </p:nvSpPr>
         <p:spPr>
           <a:xfrm>
-            <a:off x="1097280" y="2108201"/>
-            <a:ext cx="5303520" cy="3760891"/>
+            <a:off x="1097280" y="2120900"/>
+            <a:ext cx="4639736" cy="3748193"/>
           </a:xfrm>
         </p:spPr>
         <p:txBody>
@@ -4840,10 +4960,10 @@
       </p:sp>
       <p:pic>
         <p:nvPicPr>
-          <p:cNvPr id="5" name="Picture 4" descr="Chart, bar chart&#10;&#10;Description automatically generated">
-            <a:extLst>
-              <a:ext uri="{FF2B5EF4-FFF2-40B4-BE49-F238E27FC236}">
-                <a16:creationId xmlns:a16="http://schemas.microsoft.com/office/drawing/2014/main" id="{6F61471E-70E9-451E-AEBE-4BEE86E54193}"/>
+          <p:cNvPr id="6" name="Picture 5" descr="Chart, bar chart&#10;&#10;Description automatically generated">
+            <a:extLst>
+              <a:ext uri="{FF2B5EF4-FFF2-40B4-BE49-F238E27FC236}">
+                <a16:creationId xmlns:a16="http://schemas.microsoft.com/office/drawing/2014/main" id="{01C40BCD-69F6-4BDF-9E5D-5F45BB75FD65}"/>
               </a:ext>
             </a:extLst>
           </p:cNvPr>
@@ -4866,12 +4986,13 @@
         </p:blipFill>
         <p:spPr>
           <a:xfrm>
-            <a:off x="6258560" y="2189481"/>
-            <a:ext cx="5110480" cy="3814865"/>
+            <a:off x="6515944" y="2260896"/>
+            <a:ext cx="4639736" cy="3468202"/>
           </a:xfrm>
           <a:prstGeom prst="rect">
             <a:avLst/>
           </a:prstGeom>
+          <a:noFill/>
         </p:spPr>
       </p:pic>
     </p:spTree>
@@ -4980,10 +5101,10 @@
       </p:sp>
       <p:pic>
         <p:nvPicPr>
-          <p:cNvPr id="6" name="Picture 5" descr="Chart, histogram&#10;&#10;Description automatically generated">
-            <a:extLst>
-              <a:ext uri="{FF2B5EF4-FFF2-40B4-BE49-F238E27FC236}">
-                <a16:creationId xmlns:a16="http://schemas.microsoft.com/office/drawing/2014/main" id="{E851FB57-8125-4231-9888-516D38FFEB38}"/>
+          <p:cNvPr id="5" name="Picture 4" descr="Chart, histogram&#10;&#10;Description automatically generated">
+            <a:extLst>
+              <a:ext uri="{FF2B5EF4-FFF2-40B4-BE49-F238E27FC236}">
+                <a16:creationId xmlns:a16="http://schemas.microsoft.com/office/drawing/2014/main" id="{D0AF85AD-7C7F-4649-980D-AADC66CCC53E}"/>
               </a:ext>
             </a:extLst>
           </p:cNvPr>
@@ -5006,8 +5127,8 @@
         </p:blipFill>
         <p:spPr>
           <a:xfrm>
-            <a:off x="1224381" y="2953406"/>
-            <a:ext cx="4661431" cy="3479660"/>
+            <a:off x="6573973" y="2851909"/>
+            <a:ext cx="4729219" cy="3530262"/>
           </a:xfrm>
           <a:prstGeom prst="rect">
             <a:avLst/>
@@ -5016,10 +5137,10 @@
       </p:pic>
       <p:pic>
         <p:nvPicPr>
-          <p:cNvPr id="8" name="Picture 7" descr="Chart, histogram&#10;&#10;Description automatically generated">
-            <a:extLst>
-              <a:ext uri="{FF2B5EF4-FFF2-40B4-BE49-F238E27FC236}">
-                <a16:creationId xmlns:a16="http://schemas.microsoft.com/office/drawing/2014/main" id="{3A182752-4BCA-4C20-908D-6C91D6CE0B3F}"/>
+          <p:cNvPr id="9" name="Picture 8" descr="Chart, histogram&#10;&#10;Description automatically generated">
+            <a:extLst>
+              <a:ext uri="{FF2B5EF4-FFF2-40B4-BE49-F238E27FC236}">
+                <a16:creationId xmlns:a16="http://schemas.microsoft.com/office/drawing/2014/main" id="{D9F5D7E5-3A38-45D1-BC0E-80412664BC91}"/>
               </a:ext>
             </a:extLst>
           </p:cNvPr>
@@ -5042,8 +5163,8 @@
         </p:blipFill>
         <p:spPr>
           <a:xfrm>
-            <a:off x="6712200" y="2953406"/>
-            <a:ext cx="4661431" cy="3479660"/>
+            <a:off x="1036322" y="2851909"/>
+            <a:ext cx="4729219" cy="3530262"/>
           </a:xfrm>
           <a:prstGeom prst="rect">
             <a:avLst/>
@@ -5127,7 +5248,7 @@
         <p:spPr/>
         <p:txBody>
           <a:bodyPr>
-            <a:normAutofit fontScale="92500" lnSpcReduction="20000"/>
+            <a:normAutofit/>
           </a:bodyPr>
           <a:lstStyle/>
           <a:p>
@@ -5141,6 +5262,16 @@
             </a:r>
           </a:p>
           <a:p>
+            <a:pPr marL="749808" lvl="1" indent="-457200">
+              <a:buFont typeface="Arial" panose="020B0604020202020204" pitchFamily="34" charset="0"/>
+              <a:buChar char="•"/>
+            </a:pPr>
+            <a:r>
+              <a:rPr lang="en-US" sz="2600" b="1" i="1" dirty="0"/>
+              <a:t>Microsoft should focus on making big budget movies</a:t>
+            </a:r>
+          </a:p>
+          <a:p>
             <a:pPr marL="457200" indent="-457200">
               <a:buFont typeface="Arial" panose="020B0604020202020204" pitchFamily="34" charset="0"/>
               <a:buChar char="•"/>
@@ -5151,53 +5282,35 @@
             </a:r>
           </a:p>
           <a:p>
+            <a:pPr marL="749808" lvl="1" indent="-457200">
+              <a:buFont typeface="Arial" panose="020B0604020202020204" pitchFamily="34" charset="0"/>
+              <a:buChar char="•"/>
+            </a:pPr>
+            <a:r>
+              <a:rPr lang="en-US" sz="2600" b="1" i="1" dirty="0"/>
+              <a:t>Release movies in June/July and November/December</a:t>
+            </a:r>
+          </a:p>
+          <a:p>
             <a:pPr marL="457200" indent="-457200">
               <a:buFont typeface="Arial" panose="020B0604020202020204" pitchFamily="34" charset="0"/>
               <a:buChar char="•"/>
             </a:pPr>
             <a:r>
               <a:rPr lang="en-US" sz="2800" dirty="0"/>
-              <a:t>There is marginally higher appeal toward 3-D </a:t>
-            </a:r>
-          </a:p>
-          <a:p>
-            <a:pPr marL="0" indent="0">
-              <a:buNone/>
-            </a:pPr>
-            <a:r>
-              <a:rPr lang="en-US" sz="2800" b="1" dirty="0"/>
-              <a:t>Next Steps:</a:t>
-            </a:r>
-          </a:p>
-          <a:p>
-            <a:pPr marL="457200" indent="-457200">
+              <a:t>There is higher appeal toward 3-D </a:t>
+            </a:r>
+          </a:p>
+          <a:p>
+            <a:pPr marL="749808" lvl="1" indent="-457200">
               <a:buFont typeface="Arial" panose="020B0604020202020204" pitchFamily="34" charset="0"/>
               <a:buChar char="•"/>
             </a:pPr>
             <a:r>
-              <a:rPr lang="en-US" sz="2800" dirty="0"/>
-              <a:t>Does “bigger is better” hold when including marketing budgets?</a:t>
-            </a:r>
-          </a:p>
-          <a:p>
-            <a:pPr marL="457200" indent="-457200">
-              <a:buFont typeface="Arial" panose="020B0604020202020204" pitchFamily="34" charset="0"/>
-              <a:buChar char="•"/>
-            </a:pPr>
-            <a:r>
-              <a:rPr lang="en-US" sz="2800" dirty="0"/>
-              <a:t>What are the returns on investments by month of release?</a:t>
-            </a:r>
-          </a:p>
-          <a:p>
-            <a:pPr marL="457200" indent="-457200">
-              <a:buFont typeface="Arial" panose="020B0604020202020204" pitchFamily="34" charset="0"/>
-              <a:buChar char="•"/>
-            </a:pPr>
-            <a:r>
-              <a:rPr lang="en-US" sz="2800" dirty="0"/>
-              <a:t>How much more money can one expect to make with a 3-D movie?</a:t>
-            </a:r>
+              <a:rPr lang="en-US" sz="2600" b="1" i="1" dirty="0"/>
+              <a:t>Microsoft should focus on making 3-D movies</a:t>
+            </a:r>
+            <a:endParaRPr lang="en-US" sz="2800" b="1" i="1" dirty="0"/>
           </a:p>
         </p:txBody>
       </p:sp>
